--- a/教学课件/8.第八课  Array和String常用API.pptx
+++ b/教学课件/8.第八课  Array和String常用API.pptx
@@ -5237,7 +5237,7 @@
         </p:spPr>
         <p:txBody>
           <a:bodyPr>
-            <a:normAutofit fontScale="80000"/>
+            <a:normAutofit fontScale="90000"/>
           </a:bodyPr>
           <a:p>
             <a:pPr marL="0" indent="0" fontAlgn="auto">
@@ -5364,132 +5364,6 @@
               <a:t>普通方法</a:t>
             </a:r>
             <a:endParaRPr lang="en-US" altLang="zh-CN" sz="3200" b="1">
-              <a:solidFill>
-                <a:schemeClr val="tx1"/>
-              </a:solidFill>
-            </a:endParaRPr>
-          </a:p>
-          <a:p>
-            <a:pPr marL="0" indent="0" fontAlgn="auto">
-              <a:lnSpc>
-                <a:spcPct val="150000"/>
-              </a:lnSpc>
-              <a:buNone/>
-            </a:pPr>
-            <a:r>
-              <a:rPr lang="zh-CN" altLang="en-US" sz="2000">
-                <a:sym typeface="+mn-ea"/>
-              </a:rPr>
-              <a:t>数组变量</a:t>
-            </a:r>
-            <a:r>
-              <a:rPr lang="zh-CN" altLang="en-US" sz="2000">
-                <a:sym typeface="+mn-ea"/>
-              </a:rPr>
-              <a:t>名</a:t>
-            </a:r>
-            <a:r>
-              <a:rPr lang="en-US" altLang="zh-CN" sz="2000">
-                <a:sym typeface="+mn-ea"/>
-              </a:rPr>
-              <a:t>.</a:t>
-            </a:r>
-            <a:r>
-              <a:rPr lang="en-US" altLang="zh-CN" sz="2000">
-                <a:solidFill>
-                  <a:srgbClr val="FF0000"/>
-                </a:solidFill>
-                <a:sym typeface="+mn-ea"/>
-              </a:rPr>
-              <a:t>SetValue</a:t>
-            </a:r>
-            <a:r>
-              <a:rPr lang="en-US" altLang="zh-CN" sz="2000">
-                <a:sym typeface="+mn-ea"/>
-              </a:rPr>
-              <a:t>(value , </a:t>
-            </a:r>
-            <a:r>
-              <a:rPr lang="zh-CN" altLang="en-US" sz="2000">
-                <a:sym typeface="+mn-ea"/>
-              </a:rPr>
-              <a:t>下标</a:t>
-            </a:r>
-            <a:r>
-              <a:rPr lang="en-US" altLang="zh-CN" sz="2000">
-                <a:sym typeface="+mn-ea"/>
-              </a:rPr>
-              <a:t>)</a:t>
-            </a:r>
-            <a:r>
-              <a:rPr lang="zh-CN" altLang="en-US" sz="2000">
-                <a:sym typeface="+mn-ea"/>
-              </a:rPr>
-              <a:t>；对对应下标的元素赋值</a:t>
-            </a:r>
-            <a:endParaRPr lang="zh-CN" altLang="en-US" sz="2000">
-              <a:sym typeface="+mn-ea"/>
-            </a:endParaRPr>
-          </a:p>
-          <a:p>
-            <a:pPr marL="0" indent="0" fontAlgn="auto">
-              <a:lnSpc>
-                <a:spcPct val="150000"/>
-              </a:lnSpc>
-              <a:buNone/>
-            </a:pPr>
-            <a:r>
-              <a:rPr lang="zh-CN" altLang="en-US" sz="2000">
-                <a:sym typeface="+mn-ea"/>
-              </a:rPr>
-              <a:t>数组变量</a:t>
-            </a:r>
-            <a:r>
-              <a:rPr lang="zh-CN" altLang="en-US" sz="2000">
-                <a:sym typeface="+mn-ea"/>
-              </a:rPr>
-              <a:t>名</a:t>
-            </a:r>
-            <a:r>
-              <a:rPr lang="en-US" altLang="zh-CN" sz="2000">
-                <a:sym typeface="+mn-ea"/>
-              </a:rPr>
-              <a:t>.</a:t>
-            </a:r>
-            <a:r>
-              <a:rPr lang="en-US" altLang="zh-CN" sz="2000">
-                <a:solidFill>
-                  <a:srgbClr val="FF0000"/>
-                </a:solidFill>
-                <a:sym typeface="+mn-ea"/>
-              </a:rPr>
-              <a:t>GetValue</a:t>
-            </a:r>
-            <a:r>
-              <a:rPr lang="en-US" altLang="zh-CN" sz="2000">
-                <a:sym typeface="+mn-ea"/>
-              </a:rPr>
-              <a:t>(</a:t>
-            </a:r>
-            <a:r>
-              <a:rPr lang="zh-CN" altLang="en-US" sz="2000">
-                <a:sym typeface="+mn-ea"/>
-              </a:rPr>
-              <a:t>下标</a:t>
-            </a:r>
-            <a:r>
-              <a:rPr lang="en-US" altLang="zh-CN" sz="2000">
-                <a:sym typeface="+mn-ea"/>
-              </a:rPr>
-              <a:t>)</a:t>
-            </a:r>
-            <a:r>
-              <a:rPr lang="zh-CN" altLang="en-US" sz="2000">
-                <a:sym typeface="+mn-ea"/>
-              </a:rPr>
-              <a:t>；取得对应下标的值</a:t>
-            </a:r>
-            <a:endParaRPr lang="en-US" altLang="zh-CN" sz="2000">
               <a:solidFill>
                 <a:schemeClr val="tx1"/>
               </a:solidFill>

--- a/教学课件/8.第八课  Array和String常用API.pptx
+++ b/教学课件/8.第八课  Array和String常用API.pptx
@@ -4678,12 +4678,12 @@
               <a:buNone/>
             </a:pPr>
             <a:r>
-              <a:rPr lang="en-US" altLang="zh-CN">
+              <a:rPr lang="en-US" altLang="zh-CN" sz="2000">
                 <a:sym typeface="+mn-ea"/>
               </a:rPr>
               <a:t>1.写一个函数，判断一个字符串是回文字符串，如 abccba是回文字符串, abcdcbb不是.</a:t>
             </a:r>
-            <a:endParaRPr lang="en-US" altLang="zh-CN"/>
+            <a:endParaRPr lang="en-US" altLang="zh-CN" sz="2000"/>
           </a:p>
           <a:p>
             <a:pPr marL="0" indent="0" fontAlgn="auto">
@@ -4693,18 +4693,18 @@
               <a:buNone/>
             </a:pPr>
             <a:r>
-              <a:rPr lang="en-US" altLang="zh-CN" b="1">
+              <a:rPr lang="en-US" altLang="zh-CN" sz="2000" b="1">
                 <a:sym typeface="+mn-ea"/>
               </a:rPr>
               <a:t>回文字符串</a:t>
             </a:r>
             <a:r>
-              <a:rPr lang="en-US" altLang="zh-CN">
+              <a:rPr lang="en-US" altLang="zh-CN" sz="2000">
                 <a:sym typeface="+mn-ea"/>
               </a:rPr>
               <a:t>：是一个正读和反读都一样的字符串。</a:t>
             </a:r>
-            <a:endParaRPr lang="en-US" altLang="zh-CN"/>
+            <a:endParaRPr lang="en-US" altLang="zh-CN" sz="2000"/>
           </a:p>
           <a:p>
             <a:pPr marL="0" indent="0" fontAlgn="auto">
@@ -4714,30 +4714,24 @@
               <a:buNone/>
             </a:pPr>
             <a:r>
-              <a:rPr lang="en-US" altLang="zh-CN">
+              <a:rPr lang="en-US" altLang="zh-CN" sz="2000">
                 <a:sym typeface="+mn-ea"/>
               </a:rPr>
               <a:t>2.写一个</a:t>
             </a:r>
             <a:r>
-              <a:rPr lang="zh-CN" altLang="en-US">
+              <a:rPr lang="zh-CN" altLang="en-US" sz="2000">
                 <a:sym typeface="+mn-ea"/>
               </a:rPr>
               <a:t>方法</a:t>
             </a:r>
             <a:r>
-              <a:rPr lang="en-US" altLang="zh-CN">
-                <a:sym typeface="+mn-ea"/>
-              </a:rPr>
-              <a:t>, </a:t>
-            </a:r>
-            <a:r>
-              <a:rPr lang="en-US" altLang="zh-CN">
-                <a:sym typeface="+mn-ea"/>
-              </a:rPr>
-              <a:t>统计字符串里出现出现频率最多的字符.</a:t>
-            </a:r>
-            <a:endParaRPr lang="en-US" altLang="zh-CN"/>
+              <a:rPr lang="en-US" altLang="zh-CN" sz="2000">
+                <a:sym typeface="+mn-ea"/>
+              </a:rPr>
+              <a:t>, 统计字符串里出现出现频率最多的字符.</a:t>
+            </a:r>
+            <a:endParaRPr lang="en-US" altLang="zh-CN" sz="2000"/>
           </a:p>
           <a:p>
             <a:pPr marL="0" indent="0" fontAlgn="auto">
@@ -4747,60 +4741,196 @@
               <a:buNone/>
             </a:pPr>
             <a:r>
-              <a:rPr lang="en-US" altLang="zh-CN">
+              <a:rPr lang="en-US" altLang="zh-CN" sz="2000">
                 <a:sym typeface="+mn-ea"/>
               </a:rPr>
               <a:t>3.写一个</a:t>
             </a:r>
             <a:r>
-              <a:rPr lang="zh-CN" altLang="en-US">
+              <a:rPr lang="zh-CN" altLang="en-US" sz="2000">
                 <a:sym typeface="+mn-ea"/>
               </a:rPr>
               <a:t>方法</a:t>
             </a:r>
             <a:r>
-              <a:rPr lang="en-US" altLang="zh-CN">
+              <a:rPr lang="en-US" altLang="zh-CN" sz="2000">
                 <a:sym typeface="+mn-ea"/>
               </a:rPr>
               <a:t>, </a:t>
             </a:r>
             <a:r>
-              <a:rPr lang="zh-CN" altLang="en-US">
+              <a:rPr lang="zh-CN" altLang="en-US" sz="2000">
                 <a:sym typeface="+mn-ea"/>
               </a:rPr>
               <a:t>传入字符串和长度</a:t>
             </a:r>
             <a:r>
-              <a:rPr lang="en-US" altLang="zh-CN">
+              <a:rPr lang="en-US" altLang="zh-CN" sz="2000">
                 <a:sym typeface="+mn-ea"/>
               </a:rPr>
               <a:t>, 如果</a:t>
             </a:r>
             <a:r>
-              <a:rPr lang="zh-CN" altLang="en-US">
+              <a:rPr lang="zh-CN" altLang="en-US" sz="2000">
                 <a:sym typeface="+mn-ea"/>
               </a:rPr>
               <a:t>字符串</a:t>
             </a:r>
             <a:r>
-              <a:rPr lang="en-US" altLang="zh-CN">
+              <a:rPr lang="en-US" altLang="zh-CN" sz="2000">
                 <a:sym typeface="+mn-ea"/>
               </a:rPr>
               <a:t>的长度大于</a:t>
             </a:r>
             <a:r>
-              <a:rPr lang="zh-CN" altLang="en-US">
+              <a:rPr lang="zh-CN" altLang="en-US" sz="2000">
                 <a:sym typeface="+mn-ea"/>
               </a:rPr>
               <a:t>长度</a:t>
             </a:r>
             <a:r>
-              <a:rPr lang="en-US" altLang="zh-CN">
-                <a:sym typeface="+mn-ea"/>
-              </a:rPr>
-              <a:t>，会把str截断到maxlength长，并加上”...”</a:t>
-            </a:r>
-            <a:endParaRPr lang="en-US" altLang="zh-CN"/>
+              <a:rPr lang="en-US" altLang="zh-CN" sz="2000">
+                <a:sym typeface="+mn-ea"/>
+              </a:rPr>
+              <a:t>，会把str截断到maxlength长，并加上”...”   , </a:t>
+            </a:r>
+            <a:r>
+              <a:rPr lang="zh-CN" altLang="en-US" sz="2000">
+                <a:sym typeface="+mn-ea"/>
+              </a:rPr>
+              <a:t>并进行输出</a:t>
+            </a:r>
+            <a:endParaRPr lang="en-US" altLang="zh-CN" sz="2000">
+              <a:sym typeface="+mn-ea"/>
+            </a:endParaRPr>
+          </a:p>
+          <a:p>
+            <a:pPr marL="0" indent="0" fontAlgn="auto">
+              <a:lnSpc>
+                <a:spcPct val="150000"/>
+              </a:lnSpc>
+              <a:buNone/>
+            </a:pPr>
+            <a:r>
+              <a:rPr lang="en-US" altLang="zh-CN" sz="2000">
+                <a:sym typeface="+mn-ea"/>
+              </a:rPr>
+              <a:t>4.</a:t>
+            </a:r>
+            <a:r>
+              <a:rPr lang="zh-CN" altLang="en-US" sz="2000">
+                <a:sym typeface="+mn-ea"/>
+              </a:rPr>
+              <a:t>写一个方法</a:t>
+            </a:r>
+            <a:r>
+              <a:rPr lang="en-US" altLang="zh-CN" sz="2000">
+                <a:sym typeface="+mn-ea"/>
+              </a:rPr>
+              <a:t>,</a:t>
+            </a:r>
+            <a:r>
+              <a:rPr lang="zh-CN" altLang="en-US" sz="2000">
+                <a:sym typeface="+mn-ea"/>
+              </a:rPr>
+              <a:t>替换字符串中的指定字符为新的字符</a:t>
+            </a:r>
+            <a:r>
+              <a:rPr lang="en-US" altLang="zh-CN" sz="2000">
+                <a:sym typeface="+mn-ea"/>
+              </a:rPr>
+              <a:t>,</a:t>
+            </a:r>
+            <a:r>
+              <a:rPr lang="zh-CN" altLang="en-US" sz="2000">
+                <a:sym typeface="+mn-ea"/>
+              </a:rPr>
+              <a:t>并返回新的字符串</a:t>
+            </a:r>
+            <a:endParaRPr lang="zh-CN" altLang="en-US" sz="2000">
+              <a:sym typeface="+mn-ea"/>
+            </a:endParaRPr>
+          </a:p>
+          <a:p>
+            <a:pPr marL="0" indent="0" fontAlgn="auto">
+              <a:lnSpc>
+                <a:spcPct val="150000"/>
+              </a:lnSpc>
+              <a:buNone/>
+            </a:pPr>
+            <a:r>
+              <a:rPr lang="en-US" altLang="zh-CN" sz="2000">
+                <a:sym typeface="+mn-ea"/>
+              </a:rPr>
+              <a:t>5.</a:t>
+            </a:r>
+            <a:r>
+              <a:rPr lang="zh-CN" altLang="en-US" sz="2000">
+                <a:sym typeface="+mn-ea"/>
+              </a:rPr>
+              <a:t>模仿写一个</a:t>
+            </a:r>
+            <a:r>
+              <a:rPr lang="en-US" altLang="zh-CN" sz="2000">
+                <a:sym typeface="+mn-ea"/>
+              </a:rPr>
+              <a:t>Loading</a:t>
+            </a:r>
+            <a:r>
+              <a:rPr lang="zh-CN" altLang="en-US" sz="2000">
+                <a:sym typeface="+mn-ea"/>
+              </a:rPr>
+              <a:t>界面</a:t>
+            </a:r>
+            <a:r>
+              <a:rPr lang="en-US" altLang="zh-CN" sz="2000">
+                <a:sym typeface="+mn-ea"/>
+              </a:rPr>
+              <a:t>,  </a:t>
+            </a:r>
+            <a:r>
+              <a:rPr lang="zh-CN" altLang="en-US" sz="2000">
+                <a:sym typeface="+mn-ea"/>
+              </a:rPr>
+              <a:t>呈现</a:t>
+            </a:r>
+            <a:r>
+              <a:rPr lang="en-US" altLang="zh-CN" sz="2000">
+                <a:sym typeface="+mn-ea"/>
+              </a:rPr>
+              <a:t>”Loading...”</a:t>
+            </a:r>
+            <a:r>
+              <a:rPr lang="zh-CN" altLang="en-US" sz="2000">
+                <a:sym typeface="+mn-ea"/>
+              </a:rPr>
+              <a:t>的形式</a:t>
+            </a:r>
+            <a:r>
+              <a:rPr lang="en-US" altLang="zh-CN" sz="2000">
+                <a:sym typeface="+mn-ea"/>
+              </a:rPr>
+              <a:t>, Loading</a:t>
+            </a:r>
+            <a:r>
+              <a:rPr lang="zh-CN" altLang="en-US" sz="2000">
+                <a:sym typeface="+mn-ea"/>
+              </a:rPr>
+              <a:t>界面至少存在</a:t>
+            </a:r>
+            <a:r>
+              <a:rPr lang="en-US" altLang="zh-CN" sz="2000">
+                <a:sym typeface="+mn-ea"/>
+              </a:rPr>
+              <a:t>N</a:t>
+            </a:r>
+            <a:r>
+              <a:rPr lang="zh-CN" altLang="en-US" sz="2000">
+                <a:sym typeface="+mn-ea"/>
+              </a:rPr>
+              <a:t>秒钟</a:t>
+            </a:r>
+            <a:endParaRPr lang="en-US" altLang="zh-CN" sz="2000"/>
           </a:p>
           <a:p>
             <a:pPr marL="0" indent="0" algn="l" fontAlgn="auto">
@@ -4809,7 +4939,7 @@
               </a:lnSpc>
               <a:buNone/>
             </a:pPr>
-            <a:endParaRPr lang="zh-CN" altLang="en-US"/>
+            <a:endParaRPr lang="zh-CN" altLang="en-US" sz="2000"/>
           </a:p>
         </p:txBody>
       </p:sp>

--- a/教学课件/8.第八课  Array和String常用API.pptx
+++ b/教学课件/8.第八课  Array和String常用API.pptx
@@ -4668,7 +4668,7 @@
         <p:spPr/>
         <p:txBody>
           <a:bodyPr>
-            <a:normAutofit/>
+            <a:normAutofit lnSpcReduction="10000"/>
           </a:bodyPr>
           <a:p>
             <a:pPr marL="0" indent="0" fontAlgn="auto">
@@ -4704,7 +4704,9 @@
               </a:rPr>
               <a:t>：是一个正读和反读都一样的字符串。</a:t>
             </a:r>
-            <a:endParaRPr lang="en-US" altLang="zh-CN" sz="2000"/>
+            <a:endParaRPr lang="en-US" altLang="zh-CN" sz="2000">
+              <a:sym typeface="+mn-ea"/>
+            </a:endParaRPr>
           </a:p>
           <a:p>
             <a:pPr marL="0" indent="0" fontAlgn="auto">
@@ -4717,19 +4719,37 @@
               <a:rPr lang="en-US" altLang="zh-CN" sz="2000">
                 <a:sym typeface="+mn-ea"/>
               </a:rPr>
-              <a:t>2.写一个</a:t>
+              <a:t>2.</a:t>
             </a:r>
             <a:r>
               <a:rPr lang="zh-CN" altLang="en-US" sz="2000">
                 <a:sym typeface="+mn-ea"/>
               </a:rPr>
-              <a:t>方法</a:t>
+              <a:t>写一个方法</a:t>
             </a:r>
             <a:r>
               <a:rPr lang="en-US" altLang="zh-CN" sz="2000">
                 <a:sym typeface="+mn-ea"/>
               </a:rPr>
-              <a:t>, 统计字符串里出现出现频率最多的字符.</a:t>
+              <a:t>,</a:t>
+            </a:r>
+            <a:r>
+              <a:rPr lang="zh-CN" altLang="en-US" sz="2000">
+                <a:sym typeface="+mn-ea"/>
+              </a:rPr>
+              <a:t>替换字符串中的指定字符为新的字符</a:t>
+            </a:r>
+            <a:r>
+              <a:rPr lang="en-US" altLang="zh-CN" sz="2000">
+                <a:sym typeface="+mn-ea"/>
+              </a:rPr>
+              <a:t>,</a:t>
+            </a:r>
+            <a:r>
+              <a:rPr lang="zh-CN" altLang="en-US" sz="2000">
+                <a:sym typeface="+mn-ea"/>
+              </a:rPr>
+              <a:t>并返回新的字符串</a:t>
             </a:r>
             <a:endParaRPr lang="en-US" altLang="zh-CN" sz="2000"/>
           </a:p>
@@ -4756,53 +4776,9 @@
               <a:rPr lang="en-US" altLang="zh-CN" sz="2000">
                 <a:sym typeface="+mn-ea"/>
               </a:rPr>
-              <a:t>, </a:t>
-            </a:r>
-            <a:r>
-              <a:rPr lang="zh-CN" altLang="en-US" sz="2000">
-                <a:sym typeface="+mn-ea"/>
-              </a:rPr>
-              <a:t>传入字符串和长度</a:t>
-            </a:r>
-            <a:r>
-              <a:rPr lang="en-US" altLang="zh-CN" sz="2000">
-                <a:sym typeface="+mn-ea"/>
-              </a:rPr>
-              <a:t>, 如果</a:t>
-            </a:r>
-            <a:r>
-              <a:rPr lang="zh-CN" altLang="en-US" sz="2000">
-                <a:sym typeface="+mn-ea"/>
-              </a:rPr>
-              <a:t>字符串</a:t>
-            </a:r>
-            <a:r>
-              <a:rPr lang="en-US" altLang="zh-CN" sz="2000">
-                <a:sym typeface="+mn-ea"/>
-              </a:rPr>
-              <a:t>的长度大于</a:t>
-            </a:r>
-            <a:r>
-              <a:rPr lang="zh-CN" altLang="en-US" sz="2000">
-                <a:sym typeface="+mn-ea"/>
-              </a:rPr>
-              <a:t>长度</a:t>
-            </a:r>
-            <a:r>
-              <a:rPr lang="en-US" altLang="zh-CN" sz="2000">
-                <a:sym typeface="+mn-ea"/>
-              </a:rPr>
-              <a:t>，会把str截断到maxlength长，并加上”...”   , </a:t>
-            </a:r>
-            <a:r>
-              <a:rPr lang="zh-CN" altLang="en-US" sz="2000">
-                <a:sym typeface="+mn-ea"/>
-              </a:rPr>
-              <a:t>并进行输出</a:t>
-            </a:r>
-            <a:endParaRPr lang="en-US" altLang="zh-CN" sz="2000">
-              <a:sym typeface="+mn-ea"/>
-            </a:endParaRPr>
+              <a:t>, 统计字符串里出现出现频率最多的字符.</a:t>
+            </a:r>
+            <a:endParaRPr lang="en-US" altLang="zh-CN" sz="2000"/>
           </a:p>
           <a:p>
             <a:pPr marL="0" indent="0" fontAlgn="auto">
@@ -4815,39 +4791,63 @@
               <a:rPr lang="en-US" altLang="zh-CN" sz="2000">
                 <a:sym typeface="+mn-ea"/>
               </a:rPr>
-              <a:t>4.</a:t>
+              <a:t>4.写一个</a:t>
             </a:r>
             <a:r>
               <a:rPr lang="zh-CN" altLang="en-US" sz="2000">
                 <a:sym typeface="+mn-ea"/>
               </a:rPr>
-              <a:t>写一个方法</a:t>
+              <a:t>方法</a:t>
             </a:r>
             <a:r>
               <a:rPr lang="en-US" altLang="zh-CN" sz="2000">
                 <a:sym typeface="+mn-ea"/>
               </a:rPr>
-              <a:t>,</a:t>
+              <a:t>, </a:t>
             </a:r>
             <a:r>
               <a:rPr lang="zh-CN" altLang="en-US" sz="2000">
                 <a:sym typeface="+mn-ea"/>
               </a:rPr>
-              <a:t>替换字符串中的指定字符为新的字符</a:t>
+              <a:t>传入字符串和长度</a:t>
             </a:r>
             <a:r>
               <a:rPr lang="en-US" altLang="zh-CN" sz="2000">
                 <a:sym typeface="+mn-ea"/>
               </a:rPr>
-              <a:t>,</a:t>
+              <a:t>, 如果</a:t>
             </a:r>
             <a:r>
               <a:rPr lang="zh-CN" altLang="en-US" sz="2000">
                 <a:sym typeface="+mn-ea"/>
               </a:rPr>
-              <a:t>并返回新的字符串</a:t>
-            </a:r>
-            <a:endParaRPr lang="zh-CN" altLang="en-US" sz="2000">
+              <a:t>字符串</a:t>
+            </a:r>
+            <a:r>
+              <a:rPr lang="en-US" altLang="zh-CN" sz="2000">
+                <a:sym typeface="+mn-ea"/>
+              </a:rPr>
+              <a:t>的长度大于</a:t>
+            </a:r>
+            <a:r>
+              <a:rPr lang="zh-CN" altLang="en-US" sz="2000">
+                <a:sym typeface="+mn-ea"/>
+              </a:rPr>
+              <a:t>长度</a:t>
+            </a:r>
+            <a:r>
+              <a:rPr lang="en-US" altLang="zh-CN" sz="2000">
+                <a:sym typeface="+mn-ea"/>
+              </a:rPr>
+              <a:t>，会把str截断到maxlength长，并加上”...”   , </a:t>
+            </a:r>
+            <a:r>
+              <a:rPr lang="zh-CN" altLang="en-US" sz="2000">
+                <a:sym typeface="+mn-ea"/>
+              </a:rPr>
+              <a:t>并进行输出</a:t>
+            </a:r>
+            <a:endParaRPr lang="en-US" altLang="zh-CN" sz="2000">
               <a:sym typeface="+mn-ea"/>
             </a:endParaRPr>
           </a:p>

--- a/教学课件/8.第八课  Array和String常用API.pptx
+++ b/教学课件/8.第八课  Array和String常用API.pptx
@@ -5585,12 +5585,28 @@
               <a:t>元素到</a:t>
             </a:r>
             <a:r>
+              <a:rPr lang="zh-CN" altLang="en-US" sz="2000" b="1">
+                <a:solidFill>
+                  <a:schemeClr val="tx1"/>
+                </a:solidFill>
+              </a:rPr>
+              <a:t>目标数组</a:t>
+            </a:r>
+            <a:r>
               <a:rPr lang="zh-CN" altLang="en-US" sz="2000">
                 <a:solidFill>
                   <a:schemeClr val="tx1"/>
                 </a:solidFill>
               </a:rPr>
-              <a:t>目标数组中</a:t>
+              <a:t>中</a:t>
+            </a:r>
+            <a:r>
+              <a:rPr lang="en-US" altLang="zh-CN" sz="2000">
+                <a:solidFill>
+                  <a:schemeClr val="tx1"/>
+                </a:solidFill>
+              </a:rPr>
+              <a:t>.</a:t>
             </a:r>
             <a:endParaRPr lang="zh-CN" altLang="en-US" sz="2000">
               <a:solidFill>

--- a/教学课件/8.第八课  Array和String常用API.pptx
+++ b/教学课件/8.第八课  Array和String常用API.pptx
@@ -4681,7 +4681,19 @@
               <a:rPr lang="en-US" altLang="zh-CN" sz="2000">
                 <a:sym typeface="+mn-ea"/>
               </a:rPr>
-              <a:t>1.写一个函数，判断一个字符串是回文字符串，如 abccba是回文字符串, abcdcbb不是.</a:t>
+              <a:t>1.写一个</a:t>
+            </a:r>
+            <a:r>
+              <a:rPr lang="zh-CN" altLang="en-US" sz="2000">
+                <a:sym typeface="+mn-ea"/>
+              </a:rPr>
+              <a:t>方法</a:t>
+            </a:r>
+            <a:r>
+              <a:rPr lang="en-US" altLang="zh-CN" sz="2000">
+                <a:sym typeface="+mn-ea"/>
+              </a:rPr>
+              <a:t>，判断一个字符串是回文字符串，如 abccba是回文字符串, abcdcbb不是.</a:t>
             </a:r>
             <a:endParaRPr lang="en-US" altLang="zh-CN" sz="2000"/>
           </a:p>
@@ -5470,7 +5482,13 @@
               <a:rPr lang="zh-CN" altLang="en-US" sz="3200">
                 <a:sym typeface="+mn-ea"/>
               </a:rPr>
-              <a:t>获取长度</a:t>
+              <a:t>获取长度  </a:t>
+            </a:r>
+            <a:r>
+              <a:rPr lang="en-US" altLang="zh-CN" sz="3200">
+                <a:sym typeface="+mn-ea"/>
+              </a:rPr>
+              <a:t>			</a:t>
             </a:r>
             <a:endParaRPr lang="zh-CN" altLang="en-US" sz="3200" b="1">
               <a:solidFill>
@@ -5941,17 +5959,6 @@
               </a:rPr>
               <a:t>静态方法</a:t>
             </a:r>
-            <a:endParaRPr lang="en-US" altLang="zh-CN" sz="5335" b="1">
-              <a:sym typeface="+mn-ea"/>
-            </a:endParaRPr>
-          </a:p>
-          <a:p>
-            <a:pPr marL="0" indent="0" fontAlgn="auto">
-              <a:lnSpc>
-                <a:spcPct val="150000"/>
-              </a:lnSpc>
-              <a:buNone/>
-            </a:pPr>
             <a:endParaRPr lang="en-US" altLang="zh-CN" sz="3335">
               <a:sym typeface="+mn-ea"/>
             </a:endParaRPr>
@@ -7810,7 +7817,7 @@
                   <a:tcPr/>
                 </a:tc>
               </a:tr>
-              <a:tr h="381000">
+              <a:tr h="628650">
                 <a:tc>
                   <a:txBody>
                     <a:bodyPr/>
